--- a/mini review3 ppt.pptx
+++ b/mini review3 ppt.pptx
@@ -4622,7 +4622,7 @@
         </p:nvSpPr>
         <p:spPr>
           <a:xfrm>
-            <a:off x="-3175" y="2858252"/>
+            <a:off x="85762" y="2912110"/>
             <a:ext cx="11836260" cy="2245343"/>
           </a:xfrm>
         </p:spPr>
@@ -7334,7 +7334,7 @@
         </p:blipFill>
         <p:spPr>
           <a:xfrm>
-            <a:off x="0" y="1509205"/>
+            <a:off x="0" y="1560005"/>
             <a:ext cx="12191998" cy="5348796"/>
           </a:xfrm>
           <a:prstGeom prst="rect">
